--- a/weekly_presentations/frag.extract_2019-08-22_Abschluss.pptx
+++ b/weekly_presentations/frag.extract_2019-08-22_Abschluss.pptx
@@ -7,24 +7,23 @@
   <p:sldIdLst>
     <p:sldId id="256" r:id="rId2"/>
     <p:sldId id="257" r:id="rId3"/>
-    <p:sldId id="258" r:id="rId4"/>
-    <p:sldId id="259" r:id="rId5"/>
-    <p:sldId id="271" r:id="rId6"/>
-    <p:sldId id="261" r:id="rId7"/>
-    <p:sldId id="263" r:id="rId8"/>
-    <p:sldId id="262" r:id="rId9"/>
-    <p:sldId id="264" r:id="rId10"/>
-    <p:sldId id="265" r:id="rId11"/>
-    <p:sldId id="267" r:id="rId12"/>
-    <p:sldId id="268" r:id="rId13"/>
-    <p:sldId id="275" r:id="rId14"/>
-    <p:sldId id="276" r:id="rId15"/>
-    <p:sldId id="269" r:id="rId16"/>
-    <p:sldId id="274" r:id="rId17"/>
-    <p:sldId id="270" r:id="rId18"/>
-    <p:sldId id="277" r:id="rId19"/>
-    <p:sldId id="273" r:id="rId20"/>
-    <p:sldId id="266" r:id="rId21"/>
+    <p:sldId id="259" r:id="rId4"/>
+    <p:sldId id="271" r:id="rId5"/>
+    <p:sldId id="261" r:id="rId6"/>
+    <p:sldId id="263" r:id="rId7"/>
+    <p:sldId id="262" r:id="rId8"/>
+    <p:sldId id="264" r:id="rId9"/>
+    <p:sldId id="265" r:id="rId10"/>
+    <p:sldId id="267" r:id="rId11"/>
+    <p:sldId id="268" r:id="rId12"/>
+    <p:sldId id="275" r:id="rId13"/>
+    <p:sldId id="276" r:id="rId14"/>
+    <p:sldId id="269" r:id="rId15"/>
+    <p:sldId id="274" r:id="rId16"/>
+    <p:sldId id="270" r:id="rId17"/>
+    <p:sldId id="277" r:id="rId18"/>
+    <p:sldId id="273" r:id="rId19"/>
+    <p:sldId id="266" r:id="rId20"/>
   </p:sldIdLst>
   <p:sldSz cx="12192000" cy="6858000"/>
   <p:notesSz cx="6858000" cy="9144000"/>
@@ -6801,7 +6800,7 @@
             <a:fld id="{B61BEF0D-F0BB-DE4B-95CE-6DB70DBA9567}" type="datetimeFigureOut">
               <a:rPr lang="en-US" dirty="0"/>
               <a:pPr/>
-              <a:t>8/21/2019</a:t>
+              <a:t>8/22/2019</a:t>
             </a:fld>
             <a:endParaRPr lang="en-US" dirty="0"/>
           </a:p>
@@ -7053,7 +7052,7 @@
             <a:fld id="{B61BEF0D-F0BB-DE4B-95CE-6DB70DBA9567}" type="datetimeFigureOut">
               <a:rPr lang="en-US" dirty="0"/>
               <a:pPr/>
-              <a:t>8/21/2019</a:t>
+              <a:t>8/22/2019</a:t>
             </a:fld>
             <a:endParaRPr lang="en-US" dirty="0"/>
           </a:p>
@@ -7368,7 +7367,7 @@
             <a:fld id="{B61BEF0D-F0BB-DE4B-95CE-6DB70DBA9567}" type="datetimeFigureOut">
               <a:rPr lang="en-US" dirty="0"/>
               <a:pPr/>
-              <a:t>8/21/2019</a:t>
+              <a:t>8/22/2019</a:t>
             </a:fld>
             <a:endParaRPr lang="en-US" dirty="0"/>
           </a:p>
@@ -7696,7 +7695,7 @@
             <a:fld id="{B61BEF0D-F0BB-DE4B-95CE-6DB70DBA9567}" type="datetimeFigureOut">
               <a:rPr lang="en-US" dirty="0"/>
               <a:pPr/>
-              <a:t>8/21/2019</a:t>
+              <a:t>8/22/2019</a:t>
             </a:fld>
             <a:endParaRPr lang="en-US" dirty="0"/>
           </a:p>
@@ -8011,7 +8010,7 @@
             <a:fld id="{B61BEF0D-F0BB-DE4B-95CE-6DB70DBA9567}" type="datetimeFigureOut">
               <a:rPr lang="en-US" dirty="0"/>
               <a:pPr/>
-              <a:t>8/21/2019</a:t>
+              <a:t>8/22/2019</a:t>
             </a:fld>
             <a:endParaRPr lang="en-US" dirty="0"/>
           </a:p>
@@ -8399,7 +8398,7 @@
             <a:fld id="{B61BEF0D-F0BB-DE4B-95CE-6DB70DBA9567}" type="datetimeFigureOut">
               <a:rPr lang="en-US" dirty="0"/>
               <a:pPr/>
-              <a:t>8/21/2019</a:t>
+              <a:t>8/22/2019</a:t>
             </a:fld>
             <a:endParaRPr lang="en-US" dirty="0"/>
           </a:p>
@@ -8568,7 +8567,7 @@
           <a:p>
             <a:fld id="{55C6B4A9-1611-4792-9094-5F34BCA07E0B}" type="datetimeFigureOut">
               <a:rPr lang="en-US" dirty="0"/>
-              <a:t>8/21/2019</a:t>
+              <a:t>8/22/2019</a:t>
             </a:fld>
             <a:endParaRPr lang="en-US" dirty="0"/>
           </a:p>
@@ -8747,7 +8746,7 @@
             <a:fld id="{B61BEF0D-F0BB-DE4B-95CE-6DB70DBA9567}" type="datetimeFigureOut">
               <a:rPr lang="en-US" dirty="0"/>
               <a:pPr/>
-              <a:t>8/21/2019</a:t>
+              <a:t>8/22/2019</a:t>
             </a:fld>
             <a:endParaRPr lang="en-US" dirty="0"/>
           </a:p>
@@ -8923,7 +8922,7 @@
             <a:fld id="{B61BEF0D-F0BB-DE4B-95CE-6DB70DBA9567}" type="datetimeFigureOut">
               <a:rPr lang="en-US" dirty="0"/>
               <a:pPr/>
-              <a:t>8/21/2019</a:t>
+              <a:t>8/22/2019</a:t>
             </a:fld>
             <a:endParaRPr lang="en-US" dirty="0"/>
           </a:p>
@@ -9171,7 +9170,7 @@
             <a:fld id="{B61BEF0D-F0BB-DE4B-95CE-6DB70DBA9567}" type="datetimeFigureOut">
               <a:rPr lang="en-US" dirty="0"/>
               <a:pPr/>
-              <a:t>8/21/2019</a:t>
+              <a:t>8/22/2019</a:t>
             </a:fld>
             <a:endParaRPr lang="en-US" dirty="0"/>
           </a:p>
@@ -9401,7 +9400,7 @@
           <a:p>
             <a:fld id="{EB712588-04B1-427B-82EE-E8DB90309F08}" type="datetimeFigureOut">
               <a:rPr lang="en-US" dirty="0"/>
-              <a:t>8/21/2019</a:t>
+              <a:t>8/22/2019</a:t>
             </a:fld>
             <a:endParaRPr lang="en-US" dirty="0"/>
           </a:p>
@@ -9773,7 +9772,7 @@
             <a:fld id="{B61BEF0D-F0BB-DE4B-95CE-6DB70DBA9567}" type="datetimeFigureOut">
               <a:rPr lang="en-US" dirty="0"/>
               <a:pPr/>
-              <a:t>8/21/2019</a:t>
+              <a:t>8/22/2019</a:t>
             </a:fld>
             <a:endParaRPr lang="en-US" dirty="0"/>
           </a:p>
@@ -9897,7 +9896,7 @@
             <a:fld id="{B61BEF0D-F0BB-DE4B-95CE-6DB70DBA9567}" type="datetimeFigureOut">
               <a:rPr lang="en-US" dirty="0"/>
               <a:pPr/>
-              <a:t>8/21/2019</a:t>
+              <a:t>8/22/2019</a:t>
             </a:fld>
             <a:endParaRPr lang="en-US" dirty="0"/>
           </a:p>
@@ -9994,7 +9993,7 @@
             <a:fld id="{B61BEF0D-F0BB-DE4B-95CE-6DB70DBA9567}" type="datetimeFigureOut">
               <a:rPr lang="en-US" dirty="0"/>
               <a:pPr/>
-              <a:t>8/21/2019</a:t>
+              <a:t>8/22/2019</a:t>
             </a:fld>
             <a:endParaRPr lang="en-US" dirty="0"/>
           </a:p>
@@ -10248,7 +10247,7 @@
           <a:p>
             <a:fld id="{42A54C80-263E-416B-A8E0-580EDEADCBDC}" type="datetimeFigureOut">
               <a:rPr lang="en-US" dirty="0"/>
-              <a:t>8/21/2019</a:t>
+              <a:t>8/22/2019</a:t>
             </a:fld>
             <a:endParaRPr lang="en-US" dirty="0"/>
           </a:p>
@@ -10507,7 +10506,7 @@
             <a:fld id="{B61BEF0D-F0BB-DE4B-95CE-6DB70DBA9567}" type="datetimeFigureOut">
               <a:rPr lang="en-US" dirty="0"/>
               <a:pPr/>
-              <a:t>8/21/2019</a:t>
+              <a:t>8/22/2019</a:t>
             </a:fld>
             <a:endParaRPr lang="en-US" dirty="0"/>
           </a:p>
@@ -11252,7 +11251,7 @@
             <a:fld id="{B61BEF0D-F0BB-DE4B-95CE-6DB70DBA9567}" type="datetimeFigureOut">
               <a:rPr lang="en-US" dirty="0"/>
               <a:pPr/>
-              <a:t>8/21/2019</a:t>
+              <a:t>8/22/2019</a:t>
             </a:fld>
             <a:endParaRPr lang="en-US" dirty="0"/>
           </a:p>
@@ -11869,74 +11868,6 @@
 <file path=ppt/slides/slide10.xml><?xml version="1.0" encoding="utf-8"?>
 <p:sld xmlns:a="http://schemas.openxmlformats.org/drawingml/2006/main" xmlns:r="http://schemas.openxmlformats.org/officeDocument/2006/relationships" xmlns:p="http://schemas.openxmlformats.org/presentationml/2006/main">
   <p:cSld>
-    <p:bg>
-      <p:bgPr>
-        <a:solidFill>
-          <a:schemeClr val="tx2"/>
-        </a:solidFill>
-        <a:effectLst/>
-      </p:bgPr>
-    </p:bg>
-    <p:spTree>
-      <p:nvGrpSpPr>
-        <p:cNvPr id="1" name=""/>
-        <p:cNvGrpSpPr/>
-        <p:nvPr/>
-      </p:nvGrpSpPr>
-      <p:grpSpPr>
-        <a:xfrm>
-          <a:off x="0" y="0"/>
-          <a:ext cx="0" cy="0"/>
-          <a:chOff x="0" y="0"/>
-          <a:chExt cx="0" cy="0"/>
-        </a:xfrm>
-      </p:grpSpPr>
-      <p:pic>
-        <p:nvPicPr>
-          <p:cNvPr id="22" name="Grafik 22" descr="Ein Bild, das Screenshot enthält.&#10;&#10;Mit sehr hoher Zuverlässigkeit generierte Beschreibung">
-            <a:extLst>
-              <a:ext uri="{FF2B5EF4-FFF2-40B4-BE49-F238E27FC236}">
-                <a16:creationId xmlns:a16="http://schemas.microsoft.com/office/drawing/2014/main" id="{DE3D12F7-9F34-4341-9A14-9607F4D807F8}"/>
-              </a:ext>
-            </a:extLst>
-          </p:cNvPr>
-          <p:cNvPicPr>
-            <a:picLocks noChangeAspect="1"/>
-          </p:cNvPicPr>
-          <p:nvPr/>
-        </p:nvPicPr>
-        <p:blipFill>
-          <a:blip r:embed="rId2"/>
-          <a:stretch>
-            <a:fillRect/>
-          </a:stretch>
-        </p:blipFill>
-        <p:spPr>
-          <a:xfrm>
-            <a:off x="3893" y="2835"/>
-            <a:ext cx="12184389" cy="6855487"/>
-          </a:xfrm>
-          <a:prstGeom prst="rect">
-            <a:avLst/>
-          </a:prstGeom>
-        </p:spPr>
-      </p:pic>
-    </p:spTree>
-    <p:extLst>
-      <p:ext uri="{BB962C8B-B14F-4D97-AF65-F5344CB8AC3E}">
-        <p14:creationId xmlns:p14="http://schemas.microsoft.com/office/powerpoint/2010/main" val="353643608"/>
-      </p:ext>
-    </p:extLst>
-  </p:cSld>
-  <p:clrMapOvr>
-    <a:masterClrMapping/>
-  </p:clrMapOvr>
-</p:sld>
-</file>
-
-<file path=ppt/slides/slide11.xml><?xml version="1.0" encoding="utf-8"?>
-<p:sld xmlns:a="http://schemas.openxmlformats.org/drawingml/2006/main" xmlns:r="http://schemas.openxmlformats.org/officeDocument/2006/relationships" xmlns:p="http://schemas.openxmlformats.org/presentationml/2006/main">
-  <p:cSld>
     <p:spTree>
       <p:nvGrpSpPr>
         <p:cNvPr id="1" name=""/>
@@ -12016,24 +11947,23 @@
           </a:bodyPr>
           <a:lstStyle/>
           <a:p>
+            <a:pPr marL="0" indent="0">
+              <a:buNone/>
+            </a:pPr>
+            <a:r>
+              <a:rPr lang="de-DE" u="sng" dirty="0"/>
+              <a:t>Grundidee:</a:t>
+            </a:r>
+            <a:endParaRPr lang="de-DE" dirty="0"/>
+          </a:p>
+          <a:p>
             <a:pPr>
               <a:buFont typeface="Arial" charset="2"/>
               <a:buChar char="•"/>
             </a:pPr>
             <a:r>
-              <a:rPr lang="de-DE" u="sng" dirty="0"/>
-              <a:t>Grundidee:</a:t>
-            </a:r>
-            <a:endParaRPr lang="de-DE"/>
-          </a:p>
-          <a:p>
-            <a:pPr>
-              <a:buFont typeface="Arial" charset="2"/>
-              <a:buChar char="•"/>
-            </a:pPr>
-            <a:r>
               <a:rPr lang="de-DE" dirty="0"/>
-              <a:t> Datensatz(</a:t>
+              <a:t>Datensatz (</a:t>
             </a:r>
             <a:r>
               <a:rPr lang="de-DE" dirty="0" err="1"/>
@@ -12122,15 +12052,14 @@
           </a:bodyPr>
           <a:lstStyle/>
           <a:p>
-            <a:pPr>
-              <a:buFont typeface="Arial" charset="2"/>
-              <a:buChar char="•"/>
+            <a:pPr marL="0" indent="0">
+              <a:buNone/>
             </a:pPr>
             <a:r>
               <a:rPr lang="de-DE" u="sng" dirty="0"/>
               <a:t>Probleme:</a:t>
             </a:r>
-            <a:endParaRPr lang="de-DE"/>
+            <a:endParaRPr lang="de-DE" dirty="0"/>
           </a:p>
           <a:p>
             <a:pPr>
@@ -12191,7 +12120,7 @@
 </p:sld>
 </file>
 
-<file path=ppt/slides/slide12.xml><?xml version="1.0" encoding="utf-8"?>
+<file path=ppt/slides/slide11.xml><?xml version="1.0" encoding="utf-8"?>
 <p:sld xmlns:a="http://schemas.openxmlformats.org/drawingml/2006/main" xmlns:r="http://schemas.openxmlformats.org/officeDocument/2006/relationships" xmlns:p="http://schemas.openxmlformats.org/presentationml/2006/main">
   <p:cSld>
     <p:spTree>
@@ -12269,15 +12198,14 @@
           </a:bodyPr>
           <a:lstStyle/>
           <a:p>
-            <a:pPr>
-              <a:buFont typeface="Arial" charset="2"/>
-              <a:buChar char="•"/>
+            <a:pPr marL="0" indent="0">
+              <a:buNone/>
             </a:pPr>
             <a:r>
               <a:rPr lang="de-DE" sz="2000" u="sng" dirty="0"/>
               <a:t>Theorie:</a:t>
             </a:r>
-            <a:endParaRPr lang="de-DE"/>
+            <a:endParaRPr lang="de-DE" dirty="0"/>
           </a:p>
           <a:p>
             <a:pPr>
@@ -12348,7 +12276,7 @@
 </p:sld>
 </file>
 
-<file path=ppt/slides/slide13.xml><?xml version="1.0" encoding="utf-8"?>
+<file path=ppt/slides/slide12.xml><?xml version="1.0" encoding="utf-8"?>
 <p:sld xmlns:a="http://schemas.openxmlformats.org/drawingml/2006/main" xmlns:r="http://schemas.openxmlformats.org/officeDocument/2006/relationships" xmlns:p="http://schemas.openxmlformats.org/presentationml/2006/main">
   <p:cSld>
     <p:spTree>
@@ -12416,9 +12344,8 @@
           </a:bodyPr>
           <a:lstStyle/>
           <a:p>
-            <a:pPr>
-              <a:buFont typeface="Arial" charset="2"/>
-              <a:buChar char="•"/>
+            <a:pPr marL="0" indent="0">
+              <a:buNone/>
             </a:pPr>
             <a:r>
               <a:rPr lang="de-DE" u="sng" dirty="0"/>
@@ -12602,7 +12529,7 @@
 </p:sld>
 </file>
 
-<file path=ppt/slides/slide14.xml><?xml version="1.0" encoding="utf-8"?>
+<file path=ppt/slides/slide13.xml><?xml version="1.0" encoding="utf-8"?>
 <p:sld xmlns:a="http://schemas.openxmlformats.org/drawingml/2006/main" xmlns:r="http://schemas.openxmlformats.org/officeDocument/2006/relationships" xmlns:p="http://schemas.openxmlformats.org/presentationml/2006/main">
   <p:cSld>
     <p:spTree>
@@ -12684,15 +12611,25 @@
           </a:bodyPr>
           <a:lstStyle/>
           <a:p>
+            <a:pPr marL="0" indent="0">
+              <a:buNone/>
+            </a:pPr>
+            <a:r>
+              <a:rPr lang="de-DE" u="sng" dirty="0"/>
+              <a:t>Probleme -&gt; Lösungen:</a:t>
+            </a:r>
+            <a:endParaRPr lang="de-DE" dirty="0"/>
+          </a:p>
+          <a:p>
             <a:pPr>
               <a:buFont typeface="Arial" charset="2"/>
               <a:buChar char="•"/>
             </a:pPr>
             <a:r>
-              <a:rPr lang="de-DE" u="sng" dirty="0"/>
-              <a:t>Probleme --&gt; Lösungen:</a:t>
-            </a:r>
-            <a:endParaRPr lang="de-DE"/>
+              <a:rPr lang="de-DE" dirty="0"/>
+              <a:t>Laden des Models erweist sich als sehr trickreich, da dies ausschließlich über eine URL möglich ist -&gt; Hosting per GitHub-Pages</a:t>
+            </a:r>
+            <a:endParaRPr lang="de-DE" u="sng" dirty="0"/>
           </a:p>
           <a:p>
             <a:pPr>
@@ -12701,9 +12638,31 @@
             </a:pPr>
             <a:r>
               <a:rPr lang="de-DE" dirty="0"/>
-              <a:t>Laden des Models erweist sich als sehr trickreich, da dies ausschließlich über eine URL möglich ist --&gt; Hosting per GitHub-Pages</a:t>
-            </a:r>
-            <a:endParaRPr lang="de-DE" u="sng" dirty="0"/>
+              <a:t>TensorFlow.js lange nicht so ausgereift wie Keras/</a:t>
+            </a:r>
+            <a:r>
+              <a:rPr lang="de-DE" dirty="0" err="1"/>
+              <a:t>TensorFlow</a:t>
+            </a:r>
+            <a:r>
+              <a:rPr lang="de-DE" dirty="0"/>
+              <a:t> (Layer fehlen)  </a:t>
+            </a:r>
+            <a:br>
+              <a:rPr lang="de-DE" dirty="0"/>
+            </a:br>
+            <a:r>
+              <a:rPr lang="de-DE" dirty="0"/>
+              <a:t>-&gt; Langes herumprobieren mit verschiedenen </a:t>
+            </a:r>
+            <a:r>
+              <a:rPr lang="de-DE" dirty="0" err="1"/>
+              <a:t>Layern</a:t>
+            </a:r>
+            <a:r>
+              <a:rPr lang="de-DE" dirty="0"/>
+              <a:t> und Stöbern in der Dokumentation</a:t>
+            </a:r>
           </a:p>
           <a:p>
             <a:pPr>
@@ -12712,23 +12671,30 @@
             </a:pPr>
             <a:r>
               <a:rPr lang="de-DE" dirty="0"/>
-              <a:t>TensorFlow.js lange nicht so ausgereift wie Keras/</a:t>
+              <a:t>Laden von Objekten erzeugt </a:t>
             </a:r>
             <a:r>
               <a:rPr lang="de-DE" dirty="0" err="1"/>
-              <a:t>TensorFlow</a:t>
+              <a:t>Promises</a:t>
             </a:r>
             <a:r>
               <a:rPr lang="de-DE" dirty="0"/>
-              <a:t> (Layer fehlen)   --&gt; Langes herumprobieren mit verschiedenen </a:t>
+              <a:t>, welche abgewartet werden müssen </a:t>
+            </a:r>
+            <a:br>
+              <a:rPr lang="de-DE" dirty="0"/>
+            </a:br>
+            <a:r>
+              <a:rPr lang="de-DE" dirty="0"/>
+              <a:t>-&gt; Nutzen von </a:t>
             </a:r>
             <a:r>
               <a:rPr lang="de-DE" dirty="0" err="1"/>
-              <a:t>Layern</a:t>
+              <a:t>async</a:t>
             </a:r>
             <a:r>
               <a:rPr lang="de-DE" dirty="0"/>
-              <a:t> und Stöbern in der Dokumentation</a:t>
+              <a:t>-Funktionen</a:t>
             </a:r>
           </a:p>
           <a:p>
@@ -12737,38 +12703,12 @@
               <a:buChar char="•"/>
             </a:pPr>
             <a:r>
+              <a:rPr lang="de-DE" dirty="0" err="1"/>
+              <a:t>Preprocessing</a:t>
+            </a:r>
+            <a:r>
               <a:rPr lang="de-DE" dirty="0"/>
-              <a:t>Laden von Objekten erzeugt </a:t>
-            </a:r>
-            <a:r>
-              <a:rPr lang="de-DE" err="1"/>
-              <a:t>Promises</a:t>
-            </a:r>
-            <a:r>
-              <a:rPr lang="de-DE" dirty="0"/>
-              <a:t>, welche abgewartet werden müssen --&gt; Nutzen von </a:t>
-            </a:r>
-            <a:r>
-              <a:rPr lang="de-DE" dirty="0" err="1"/>
-              <a:t>async</a:t>
-            </a:r>
-            <a:r>
-              <a:rPr lang="de-DE" dirty="0"/>
-              <a:t>-Funktionen</a:t>
-            </a:r>
-          </a:p>
-          <a:p>
-            <a:pPr>
-              <a:buFont typeface="Arial" charset="2"/>
-              <a:buChar char="•"/>
-            </a:pPr>
-            <a:r>
-              <a:rPr lang="de-DE" err="1"/>
-              <a:t>Preprocessing</a:t>
-            </a:r>
-            <a:r>
-              <a:rPr lang="de-DE" dirty="0"/>
-              <a:t> --&gt; Siehe nächster Abschnitt</a:t>
+              <a:t> -&gt; Siehe nächster Abschnitt</a:t>
             </a:r>
           </a:p>
         </p:txBody>
@@ -12786,7 +12726,7 @@
 </p:sld>
 </file>
 
-<file path=ppt/slides/slide15.xml><?xml version="1.0" encoding="utf-8"?>
+<file path=ppt/slides/slide14.xml><?xml version="1.0" encoding="utf-8"?>
 <p:sld xmlns:a="http://schemas.openxmlformats.org/drawingml/2006/main" xmlns:r="http://schemas.openxmlformats.org/officeDocument/2006/relationships" xmlns:p="http://schemas.openxmlformats.org/presentationml/2006/main">
   <p:cSld>
     <p:spTree>
@@ -12864,15 +12804,14 @@
           </a:bodyPr>
           <a:lstStyle/>
           <a:p>
-            <a:pPr>
-              <a:buFont typeface="Arial" charset="2"/>
-              <a:buChar char="•"/>
+            <a:pPr marL="0" indent="0">
+              <a:buNone/>
             </a:pPr>
             <a:r>
               <a:rPr lang="de-DE" u="sng" dirty="0"/>
               <a:t>Beispielhafter Ablauf:</a:t>
             </a:r>
-            <a:endParaRPr lang="de-DE"/>
+            <a:endParaRPr lang="de-DE" dirty="0"/>
           </a:p>
           <a:p>
             <a:pPr>
@@ -12967,10 +12906,10 @@
             </a:pPr>
             <a:r>
               <a:rPr lang="de-DE" dirty="0"/>
-              <a:t>--&gt; "</a:t>
-            </a:r>
-            <a:r>
-              <a:rPr lang="de-DE" err="1"/>
+              <a:t>-&gt; "</a:t>
+            </a:r>
+            <a:r>
+              <a:rPr lang="de-DE" dirty="0" err="1"/>
               <a:t>how</a:t>
             </a:r>
             <a:r>
@@ -12978,7 +12917,7 @@
               <a:t> </a:t>
             </a:r>
             <a:r>
-              <a:rPr lang="de-DE" err="1"/>
+              <a:rPr lang="de-DE" dirty="0" err="1"/>
               <a:t>to</a:t>
             </a:r>
             <a:r>
@@ -12986,7 +12925,7 @@
               <a:t> loop in </a:t>
             </a:r>
             <a:r>
-              <a:rPr lang="de-DE" err="1"/>
+              <a:rPr lang="de-DE" dirty="0" err="1"/>
               <a:t>python</a:t>
             </a:r>
             <a:r>
@@ -12994,7 +12933,7 @@
               <a:t> </a:t>
             </a:r>
             <a:r>
-              <a:rPr lang="de-DE" b="1" u="sng" err="1"/>
+              <a:rPr lang="de-DE" b="1" u="sng" dirty="0" err="1"/>
               <a:t>border_symbol</a:t>
             </a:r>
             <a:r>
@@ -13002,7 +12941,7 @@
               <a:t> </a:t>
             </a:r>
             <a:r>
-              <a:rPr lang="de-DE" err="1">
+              <a:rPr lang="de-DE" dirty="0" err="1">
                 <a:ea typeface="+mn-lt"/>
                 <a:cs typeface="+mn-lt"/>
               </a:rPr>
@@ -13016,7 +12955,7 @@
               <a:t> i in </a:t>
             </a:r>
             <a:r>
-              <a:rPr lang="de-DE" err="1">
+              <a:rPr lang="de-DE" dirty="0" err="1">
                 <a:ea typeface="+mn-lt"/>
                 <a:cs typeface="+mn-lt"/>
               </a:rPr>
@@ -13030,7 +12969,7 @@
               <a:t> 0 10 </a:t>
             </a:r>
             <a:r>
-              <a:rPr lang="de-DE" err="1">
+              <a:rPr lang="de-DE" dirty="0" err="1">
                 <a:ea typeface="+mn-lt"/>
                 <a:cs typeface="+mn-lt"/>
               </a:rPr>
@@ -13044,7 +12983,7 @@
               <a:t> do </a:t>
             </a:r>
             <a:r>
-              <a:rPr lang="de-DE" err="1">
+              <a:rPr lang="de-DE" dirty="0" err="1">
                 <a:ea typeface="+mn-lt"/>
                 <a:cs typeface="+mn-lt"/>
               </a:rPr>
@@ -13097,16 +13036,15 @@
             <a:endParaRPr lang="de-DE" dirty="0"/>
           </a:p>
           <a:p>
-            <a:pPr>
-              <a:buFont typeface="Arial" charset="2"/>
-              <a:buChar char="•"/>
+            <a:pPr marL="0" indent="0">
+              <a:buNone/>
             </a:pPr>
             <a:r>
               <a:rPr lang="de-DE" dirty="0"/>
               <a:t>                           75,32156 %</a:t>
             </a:r>
             <a:r>
-              <a:rPr lang="de-DE" err="1"/>
+              <a:rPr lang="de-DE" dirty="0" err="1"/>
               <a:t>iges</a:t>
             </a:r>
             <a:r>
@@ -13313,7 +13251,7 @@
         </p:nvSpPr>
         <p:spPr>
           <a:xfrm>
-            <a:off x="2909592" y="5355682"/>
+            <a:off x="2909592" y="5242933"/>
             <a:ext cx="1012837" cy="770590"/>
           </a:xfrm>
           <a:prstGeom prst="downArrow">
@@ -13402,7 +13340,7 @@
 </p:sld>
 </file>
 
-<file path=ppt/slides/slide16.xml><?xml version="1.0" encoding="utf-8"?>
+<file path=ppt/slides/slide15.xml><?xml version="1.0" encoding="utf-8"?>
 <p:sld xmlns:a="http://schemas.openxmlformats.org/drawingml/2006/main" xmlns:r="http://schemas.openxmlformats.org/officeDocument/2006/relationships" xmlns:p="http://schemas.openxmlformats.org/presentationml/2006/main">
   <p:cSld>
     <p:spTree>
@@ -13486,15 +13424,56 @@
           </a:bodyPr>
           <a:lstStyle/>
           <a:p>
+            <a:pPr marL="0" indent="0">
+              <a:buNone/>
+            </a:pPr>
+            <a:r>
+              <a:rPr lang="de-DE" u="sng" dirty="0"/>
+              <a:t>Problem:</a:t>
+            </a:r>
+            <a:endParaRPr lang="de-DE" dirty="0"/>
+          </a:p>
+          <a:p>
             <a:pPr>
               <a:buFont typeface="Arial" charset="2"/>
               <a:buChar char="•"/>
             </a:pPr>
             <a:r>
+              <a:rPr lang="de-DE" dirty="0"/>
+              <a:t>Daten müssen in derselben Form zum Zeitpunkt der </a:t>
+            </a:r>
+            <a:r>
+              <a:rPr lang="de-DE" dirty="0" err="1"/>
+              <a:t>Prediction</a:t>
+            </a:r>
+            <a:r>
+              <a:rPr lang="de-DE" dirty="0"/>
+              <a:t> dem Neuronalen Netz vorliegen, wie sie beim Training vorlagen </a:t>
+            </a:r>
+            <a:br>
+              <a:rPr lang="de-DE" dirty="0"/>
+            </a:br>
+            <a:r>
+              <a:rPr lang="de-DE" dirty="0"/>
+              <a:t>-&gt; </a:t>
+            </a:r>
+            <a:r>
+              <a:rPr lang="de-DE" dirty="0" err="1"/>
+              <a:t>Tokenization</a:t>
+            </a:r>
+            <a:r>
+              <a:rPr lang="de-DE" dirty="0"/>
+              <a:t> muss reproduzierbar sein</a:t>
+            </a:r>
+          </a:p>
+          <a:p>
+            <a:pPr marL="0" indent="0">
+              <a:buNone/>
+            </a:pPr>
+            <a:r>
               <a:rPr lang="de-DE" u="sng" dirty="0"/>
-              <a:t>Problem:</a:t>
-            </a:r>
-            <a:endParaRPr lang="de-DE" dirty="0"/>
+              <a:t>Lösung:</a:t>
+            </a:r>
           </a:p>
           <a:p>
             <a:pPr>
@@ -13503,63 +13482,14 @@
             </a:pPr>
             <a:r>
               <a:rPr lang="de-DE" dirty="0"/>
-              <a:t>Daten müssen in der selben Form zum Zeitpunkt der </a:t>
-            </a:r>
-            <a:r>
-              <a:rPr lang="de-DE" dirty="0" err="1"/>
-              <a:t>Prediction</a:t>
-            </a:r>
-            <a:r>
+              <a:t>Beim Erstellen der Tokens in Python wird ein Dictionary erstellt, welche Worte zu ihrem Index mappt</a:t>
+            </a:r>
+            <a:br>
               <a:rPr lang="de-DE" dirty="0"/>
-              <a:t> dem Neuronalen Netz vorliegen, wie sie beim Training vorlagen </a:t>
-            </a:r>
-          </a:p>
-          <a:p>
-            <a:pPr>
-              <a:buFont typeface="Arial" charset="2"/>
-              <a:buChar char="•"/>
-            </a:pPr>
+            </a:br>
             <a:r>
               <a:rPr lang="de-DE" dirty="0"/>
-              <a:t>--&gt; </a:t>
-            </a:r>
-            <a:r>
-              <a:rPr lang="de-DE" dirty="0" err="1"/>
-              <a:t>Tokenization</a:t>
-            </a:r>
-            <a:r>
-              <a:rPr lang="de-DE" dirty="0"/>
-              <a:t> muss reproduzierbar sein</a:t>
-            </a:r>
-          </a:p>
-          <a:p>
-            <a:pPr>
-              <a:buFont typeface="Arial" charset="2"/>
-              <a:buChar char="•"/>
-            </a:pPr>
-            <a:r>
-              <a:rPr lang="de-DE" u="sng" dirty="0"/>
-              <a:t>Lösung:</a:t>
-            </a:r>
-          </a:p>
-          <a:p>
-            <a:pPr>
-              <a:buFont typeface="Arial" charset="2"/>
-              <a:buChar char="•"/>
-            </a:pPr>
-            <a:r>
-              <a:rPr lang="de-DE" dirty="0"/>
-              <a:t>Beim Erstellen der Tokens in Python wird ein Dictionary erstellt, welches Wörter zu ihrem Index mappt</a:t>
-            </a:r>
-          </a:p>
-          <a:p>
-            <a:pPr>
-              <a:buFont typeface="Arial" charset="2"/>
-              <a:buChar char="•"/>
-            </a:pPr>
-            <a:r>
-              <a:rPr lang="de-DE" dirty="0"/>
-              <a:t>--&gt; Abspeichern im JSON-Format</a:t>
+              <a:t>-&gt; Abspeichern im JSON-Format</a:t>
             </a:r>
           </a:p>
           <a:p>
@@ -13595,7 +13525,7 @@
 </p:sld>
 </file>
 
-<file path=ppt/slides/slide17.xml><?xml version="1.0" encoding="utf-8"?>
+<file path=ppt/slides/slide16.xml><?xml version="1.0" encoding="utf-8"?>
 <p:sld xmlns:a="http://schemas.openxmlformats.org/drawingml/2006/main" xmlns:r="http://schemas.openxmlformats.org/officeDocument/2006/relationships" xmlns:p="http://schemas.openxmlformats.org/presentationml/2006/main">
   <p:cSld>
     <p:spTree>
@@ -13675,15 +13605,32 @@
           </a:bodyPr>
           <a:lstStyle/>
           <a:p>
+            <a:pPr marL="0" indent="0">
+              <a:buNone/>
+            </a:pPr>
+            <a:r>
+              <a:rPr lang="de-DE" u="sng" dirty="0"/>
+              <a:t>Problem:</a:t>
+            </a:r>
+            <a:endParaRPr lang="de-DE" dirty="0"/>
+          </a:p>
+          <a:p>
             <a:pPr>
               <a:buFont typeface="Arial" charset="2"/>
               <a:buChar char="•"/>
             </a:pPr>
             <a:r>
-              <a:rPr lang="de-DE" u="sng" dirty="0"/>
-              <a:t>Problem:</a:t>
-            </a:r>
-            <a:endParaRPr lang="de-DE" dirty="0"/>
+              <a:rPr lang="de-DE" dirty="0"/>
+              <a:t>Teilweise über 30 Codeblöcke auf einer </a:t>
+            </a:r>
+            <a:r>
+              <a:rPr lang="de-DE" dirty="0" err="1"/>
+              <a:t>Stackoverflow</a:t>
+            </a:r>
+            <a:r>
+              <a:rPr lang="de-DE" dirty="0"/>
+              <a:t> Seite vorhanden</a:t>
+            </a:r>
           </a:p>
           <a:p>
             <a:pPr>
@@ -13692,16 +13639,18 @@
             </a:pPr>
             <a:r>
               <a:rPr lang="de-DE" dirty="0"/>
-              <a:t>Teilweise über 30 Codeblöcke auf einer </a:t>
-            </a:r>
-            <a:r>
-              <a:rPr lang="de-DE" dirty="0" err="1"/>
-              <a:t>StackOverflow</a:t>
-            </a:r>
-            <a:r>
-              <a:rPr lang="de-DE" dirty="0"/>
-              <a:t> Seite vorhanden</a:t>
-            </a:r>
+              <a:t>Auswertung erfordert viel Zeit, wodurch die Erfahrung des Endnutzers verschlechtert wird</a:t>
+            </a:r>
+          </a:p>
+          <a:p>
+            <a:pPr marL="0" indent="0">
+              <a:buNone/>
+            </a:pPr>
+            <a:r>
+              <a:rPr lang="de-DE" u="sng" dirty="0"/>
+              <a:t>Lösung:</a:t>
+            </a:r>
+            <a:endParaRPr lang="de-DE" dirty="0"/>
           </a:p>
           <a:p>
             <a:pPr>
@@ -13710,8 +13659,9 @@
             </a:pPr>
             <a:r>
               <a:rPr lang="de-DE" dirty="0"/>
-              <a:t>Auswertung erfordert viel Zeit, wodurch die Erfahrung des Endnutzers verschlechtert wird</a:t>
-            </a:r>
+              <a:t>Ausschließlich Betrachtung einer festen Anzahl an Codeblöcken (zurzeit die obersten 5), welche in Betracht gezogen werden </a:t>
+            </a:r>
+            <a:endParaRPr lang="de-DE" u="sng" dirty="0"/>
           </a:p>
           <a:p>
             <a:pPr>
@@ -13719,10 +13669,9 @@
               <a:buChar char="•"/>
             </a:pPr>
             <a:r>
-              <a:rPr lang="de-DE" u="sng" dirty="0"/>
-              <a:t>Lösung:</a:t>
-            </a:r>
-            <a:endParaRPr lang="de-DE" dirty="0"/>
+              <a:rPr lang="de-DE" dirty="0"/>
+              <a:t>Dadurch entsteht einheitliche Nutzererfahrung, egal welche Seite er öffnet</a:t>
+            </a:r>
           </a:p>
           <a:p>
             <a:pPr>
@@ -13731,27 +13680,6 @@
             </a:pPr>
             <a:r>
               <a:rPr lang="de-DE" dirty="0"/>
-              <a:t>Ausschließlich Betrachtung einer festen Anzahl an Codeblöcken (zurzeit die obersten 5), welche in Betracht gezogen werden </a:t>
-            </a:r>
-            <a:endParaRPr lang="de-DE" u="sng" dirty="0"/>
-          </a:p>
-          <a:p>
-            <a:pPr>
-              <a:buFont typeface="Arial" charset="2"/>
-              <a:buChar char="•"/>
-            </a:pPr>
-            <a:r>
-              <a:rPr lang="de-DE" dirty="0"/>
-              <a:t>Dadurch entsteht einheitliche Nutzererfahrung, egal welche Seite er öffnet</a:t>
-            </a:r>
-          </a:p>
-          <a:p>
-            <a:pPr>
-              <a:buFont typeface="Arial" charset="2"/>
-              <a:buChar char="•"/>
-            </a:pPr>
-            <a:r>
-              <a:rPr lang="de-DE" dirty="0"/>
               <a:t>Zudem besteht die Annahme, dass wenn sich die gesuchte Antwort nicht bereits in den 5 Antworten mit den meisten </a:t>
             </a:r>
             <a:r>
@@ -13760,7 +13688,15 @@
             </a:r>
             <a:r>
               <a:rPr lang="de-DE" dirty="0"/>
-              <a:t> wiederfindet, dass das eigene Problem zu spezielle/nicht auf den Titel der Page passt und ohnehin manuell gesucht werden muss </a:t>
+              <a:t> wiederfindet, dass das eigene Problem zu speziell ist </a:t>
+            </a:r>
+            <a:r>
+              <a:rPr lang="de-DE" dirty="0" err="1"/>
+              <a:t>bzw</a:t>
+            </a:r>
+            <a:r>
+              <a:rPr lang="de-DE" dirty="0"/>
+              <a:t> nicht auf den Titel der Page passt und ohnehin manuell gesucht werden muss </a:t>
             </a:r>
           </a:p>
         </p:txBody>
@@ -13778,7 +13714,7 @@
 </p:sld>
 </file>
 
-<file path=ppt/slides/slide18.xml><?xml version="1.0" encoding="utf-8"?>
+<file path=ppt/slides/slide17.xml><?xml version="1.0" encoding="utf-8"?>
 <p:sld xmlns:a="http://schemas.openxmlformats.org/drawingml/2006/main" xmlns:r="http://schemas.openxmlformats.org/officeDocument/2006/relationships" xmlns:p="http://schemas.openxmlformats.org/presentationml/2006/main">
   <p:cSld>
     <p:spTree>
@@ -13862,9 +13798,15 @@
             </a:pPr>
             <a:r>
               <a:rPr lang="de-DE" dirty="0"/>
-              <a:t>Aufgrund der gegeben Daten (geringe Qualität) ist das Model noch unzuverlässig, auch wenn es immer wieder gute Ergebnisse liefert --&gt; qualitativ hochwertigere Daten würden die Zuverlässigkeit steigern</a:t>
-            </a:r>
-            <a:endParaRPr lang="de-DE"/>
+              <a:t>Aufgrund der gegebenen Daten (geringe Qualität) ist das Model noch unzuverlässig, auch wenn es immer wieder gute Ergebnisse liefert </a:t>
+            </a:r>
+            <a:br>
+              <a:rPr lang="de-DE" dirty="0"/>
+            </a:br>
+            <a:r>
+              <a:rPr lang="de-DE" dirty="0"/>
+              <a:t>-&gt; qualitativ hochwertigere Daten würden die Zuverlässigkeit steigern</a:t>
+            </a:r>
           </a:p>
           <a:p>
             <a:pPr>
@@ -13873,7 +13815,14 @@
             </a:pPr>
             <a:r>
               <a:rPr lang="de-DE" dirty="0"/>
-              <a:t>Infrastruktur bereits gegeben --&gt; es könnte bspw. ein Crawler eingesetzt werden, der mehr Daten generiert</a:t>
+              <a:t>Infrastruktur bereits gegeben</a:t>
+            </a:r>
+            <a:br>
+              <a:rPr lang="de-DE" dirty="0"/>
+            </a:br>
+            <a:r>
+              <a:rPr lang="de-DE" dirty="0"/>
+              <a:t>-&gt; es könnte bspw. ein Crawler eingesetzt werden, der mehr Daten generiert</a:t>
             </a:r>
           </a:p>
           <a:p>
@@ -13883,7 +13832,14 @@
             </a:pPr>
             <a:r>
               <a:rPr lang="de-DE" dirty="0"/>
-              <a:t>Workarounds im Bereich TensorFlow.js könnten Zugriff auf ein hochwertigeres Netz bieten --&gt; Würde die Zuverlässigkeit ebenfalls steigern</a:t>
+              <a:t>Workarounds im Bereich TensorFlow.js könnten Zugriff auf ein hochwertigeres Netz bieten </a:t>
+            </a:r>
+            <a:br>
+              <a:rPr lang="de-DE" dirty="0"/>
+            </a:br>
+            <a:r>
+              <a:rPr lang="de-DE" dirty="0"/>
+              <a:t>-&gt; Würde die Zuverlässigkeit ebenfalls steigern</a:t>
             </a:r>
           </a:p>
         </p:txBody>
@@ -13901,7 +13857,7 @@
 </p:sld>
 </file>
 
-<file path=ppt/slides/slide19.xml><?xml version="1.0" encoding="utf-8"?>
+<file path=ppt/slides/slide18.xml><?xml version="1.0" encoding="utf-8"?>
 <p:sld xmlns:a="http://schemas.openxmlformats.org/drawingml/2006/main" xmlns:r="http://schemas.openxmlformats.org/officeDocument/2006/relationships" xmlns:p="http://schemas.openxmlformats.org/presentationml/2006/main">
   <p:cSld>
     <p:spTree>
@@ -13975,15 +13931,7 @@
             </a:pPr>
             <a:r>
               <a:rPr lang="de-DE" dirty="0"/>
-              <a:t>Niemals denken JavaScript könnte man ohne "</a:t>
-            </a:r>
-            <a:r>
-              <a:rPr lang="de-DE" dirty="0" err="1"/>
-              <a:t>googlen</a:t>
-            </a:r>
-            <a:r>
-              <a:rPr lang="de-DE" dirty="0"/>
-              <a:t>" herunterschreiben</a:t>
+              <a:t>Besser in neue Sprache einarbeiten anstatt nur von Beispielen ausgehend nach Vermutungen zu coden</a:t>
             </a:r>
           </a:p>
           <a:p>
@@ -14045,7 +13993,7 @@
             </a:r>
             <a:r>
               <a:rPr lang="de-DE" dirty="0"/>
-              <a:t> nicht aktuell</a:t>
+              <a:t> nicht aktuell und lückenhaft</a:t>
             </a:r>
           </a:p>
           <a:p>
@@ -14074,6 +14022,146 @@
     <p:extLst>
       <p:ext uri="{BB962C8B-B14F-4D97-AF65-F5344CB8AC3E}">
         <p14:creationId xmlns:p14="http://schemas.microsoft.com/office/powerpoint/2010/main" val="4181819236"/>
+      </p:ext>
+    </p:extLst>
+  </p:cSld>
+  <p:clrMapOvr>
+    <a:masterClrMapping/>
+  </p:clrMapOvr>
+</p:sld>
+</file>
+
+<file path=ppt/slides/slide19.xml><?xml version="1.0" encoding="utf-8"?>
+<p:sld xmlns:a="http://schemas.openxmlformats.org/drawingml/2006/main" xmlns:r="http://schemas.openxmlformats.org/officeDocument/2006/relationships" xmlns:p="http://schemas.openxmlformats.org/presentationml/2006/main">
+  <p:cSld>
+    <p:spTree>
+      <p:nvGrpSpPr>
+        <p:cNvPr id="1" name=""/>
+        <p:cNvGrpSpPr/>
+        <p:nvPr/>
+      </p:nvGrpSpPr>
+      <p:grpSpPr>
+        <a:xfrm>
+          <a:off x="0" y="0"/>
+          <a:ext cx="0" cy="0"/>
+          <a:chOff x="0" y="0"/>
+          <a:chExt cx="0" cy="0"/>
+        </a:xfrm>
+      </p:grpSpPr>
+      <p:sp>
+        <p:nvSpPr>
+          <p:cNvPr id="2" name="Titel 1">
+            <a:extLst>
+              <a:ext uri="{FF2B5EF4-FFF2-40B4-BE49-F238E27FC236}">
+                <a16:creationId xmlns:a16="http://schemas.microsoft.com/office/drawing/2014/main" id="{A8A613BE-942D-4FF4-8809-65EECF4B9BA8}"/>
+              </a:ext>
+            </a:extLst>
+          </p:cNvPr>
+          <p:cNvSpPr>
+            <a:spLocks noGrp="1"/>
+          </p:cNvSpPr>
+          <p:nvPr>
+            <p:ph type="title"/>
+          </p:nvPr>
+        </p:nvSpPr>
+        <p:spPr/>
+        <p:txBody>
+          <a:bodyPr/>
+          <a:lstStyle/>
+          <a:p>
+            <a:r>
+              <a:rPr lang="de-DE" dirty="0"/>
+              <a:t>Referenzen</a:t>
+            </a:r>
+          </a:p>
+        </p:txBody>
+      </p:sp>
+      <p:sp>
+        <p:nvSpPr>
+          <p:cNvPr id="3" name="Bildplatzhalter 2">
+            <a:extLst>
+              <a:ext uri="{FF2B5EF4-FFF2-40B4-BE49-F238E27FC236}">
+                <a16:creationId xmlns:a16="http://schemas.microsoft.com/office/drawing/2014/main" id="{A2D16B06-F97F-460E-B103-F61F8F9AE403}"/>
+              </a:ext>
+            </a:extLst>
+          </p:cNvPr>
+          <p:cNvSpPr>
+            <a:spLocks noGrp="1"/>
+          </p:cNvSpPr>
+          <p:nvPr>
+            <p:ph idx="1"/>
+          </p:nvPr>
+        </p:nvSpPr>
+        <p:spPr/>
+        <p:txBody>
+          <a:bodyPr vert="horz" lIns="91440" tIns="45720" rIns="91440" bIns="45720" rtlCol="0" anchor="t">
+            <a:normAutofit/>
+          </a:bodyPr>
+          <a:lstStyle/>
+          <a:p>
+            <a:pPr>
+              <a:buFont typeface="Arial" charset="2"/>
+              <a:buChar char="•"/>
+            </a:pPr>
+            <a:r>
+              <a:rPr lang="de-DE" dirty="0" err="1">
+                <a:hlinkClick r:id="rId2"/>
+              </a:rPr>
+              <a:t>Github</a:t>
+            </a:r>
+            <a:r>
+              <a:rPr lang="de-DE" dirty="0">
+                <a:hlinkClick r:id="rId2"/>
+              </a:rPr>
+              <a:t> Repository</a:t>
+            </a:r>
+            <a:endParaRPr lang="de-DE" dirty="0"/>
+          </a:p>
+          <a:p>
+            <a:pPr>
+              <a:buFont typeface="Arial" charset="2"/>
+              <a:buChar char="•"/>
+            </a:pPr>
+            <a:r>
+              <a:rPr lang="de-DE" dirty="0" err="1">
+                <a:hlinkClick r:id="rId3"/>
+              </a:rPr>
+              <a:t>Materialize</a:t>
+            </a:r>
+            <a:r>
+              <a:rPr lang="de-DE" dirty="0">
+                <a:hlinkClick r:id="rId3"/>
+              </a:rPr>
+              <a:t> Library</a:t>
+            </a:r>
+            <a:endParaRPr lang="de-DE" dirty="0"/>
+          </a:p>
+          <a:p>
+            <a:pPr>
+              <a:buFont typeface="Arial" charset="2"/>
+              <a:buChar char="•"/>
+            </a:pPr>
+            <a:r>
+              <a:rPr lang="de-DE">
+                <a:hlinkClick r:id="rId4"/>
+              </a:rPr>
+              <a:t>TensorFlow.JS</a:t>
+            </a:r>
+            <a:endParaRPr lang="de-DE" dirty="0"/>
+          </a:p>
+          <a:p>
+            <a:pPr>
+              <a:buFont typeface="Arial" charset="2"/>
+              <a:buChar char="•"/>
+            </a:pPr>
+            <a:endParaRPr lang="de-DE" dirty="0"/>
+          </a:p>
+        </p:txBody>
+      </p:sp>
+    </p:spTree>
+    <p:extLst>
+      <p:ext uri="{BB962C8B-B14F-4D97-AF65-F5344CB8AC3E}">
+        <p14:creationId xmlns:p14="http://schemas.microsoft.com/office/powerpoint/2010/main" val="564175481"/>
       </p:ext>
     </p:extLst>
   </p:cSld>
@@ -14157,17 +14245,6 @@
             </a:pPr>
             <a:r>
               <a:rPr lang="de-DE" dirty="0"/>
-              <a:t>Vorstellung</a:t>
-            </a:r>
-            <a:endParaRPr lang="de-DE"/>
-          </a:p>
-          <a:p>
-            <a:pPr>
-              <a:buFont typeface="Arial" charset="2"/>
-              <a:buChar char="•"/>
-            </a:pPr>
-            <a:r>
-              <a:rPr lang="de-DE" dirty="0"/>
               <a:t>Aufgabe</a:t>
             </a:r>
           </a:p>
@@ -14250,275 +14327,7 @@
 </p:sld>
 </file>
 
-<file path=ppt/slides/slide20.xml><?xml version="1.0" encoding="utf-8"?>
-<p:sld xmlns:a="http://schemas.openxmlformats.org/drawingml/2006/main" xmlns:r="http://schemas.openxmlformats.org/officeDocument/2006/relationships" xmlns:p="http://schemas.openxmlformats.org/presentationml/2006/main">
-  <p:cSld>
-    <p:spTree>
-      <p:nvGrpSpPr>
-        <p:cNvPr id="1" name=""/>
-        <p:cNvGrpSpPr/>
-        <p:nvPr/>
-      </p:nvGrpSpPr>
-      <p:grpSpPr>
-        <a:xfrm>
-          <a:off x="0" y="0"/>
-          <a:ext cx="0" cy="0"/>
-          <a:chOff x="0" y="0"/>
-          <a:chExt cx="0" cy="0"/>
-        </a:xfrm>
-      </p:grpSpPr>
-      <p:sp>
-        <p:nvSpPr>
-          <p:cNvPr id="2" name="Titel 1">
-            <a:extLst>
-              <a:ext uri="{FF2B5EF4-FFF2-40B4-BE49-F238E27FC236}">
-                <a16:creationId xmlns:a16="http://schemas.microsoft.com/office/drawing/2014/main" id="{A8A613BE-942D-4FF4-8809-65EECF4B9BA8}"/>
-              </a:ext>
-            </a:extLst>
-          </p:cNvPr>
-          <p:cNvSpPr>
-            <a:spLocks noGrp="1"/>
-          </p:cNvSpPr>
-          <p:nvPr>
-            <p:ph type="title"/>
-          </p:nvPr>
-        </p:nvSpPr>
-        <p:spPr/>
-        <p:txBody>
-          <a:bodyPr/>
-          <a:lstStyle/>
-          <a:p>
-            <a:r>
-              <a:rPr lang="de-DE" dirty="0"/>
-              <a:t>Referenzen</a:t>
-            </a:r>
-          </a:p>
-        </p:txBody>
-      </p:sp>
-      <p:sp>
-        <p:nvSpPr>
-          <p:cNvPr id="3" name="Bildplatzhalter 2">
-            <a:extLst>
-              <a:ext uri="{FF2B5EF4-FFF2-40B4-BE49-F238E27FC236}">
-                <a16:creationId xmlns:a16="http://schemas.microsoft.com/office/drawing/2014/main" id="{A2D16B06-F97F-460E-B103-F61F8F9AE403}"/>
-              </a:ext>
-            </a:extLst>
-          </p:cNvPr>
-          <p:cNvSpPr>
-            <a:spLocks noGrp="1"/>
-          </p:cNvSpPr>
-          <p:nvPr>
-            <p:ph idx="1"/>
-          </p:nvPr>
-        </p:nvSpPr>
-        <p:spPr/>
-        <p:txBody>
-          <a:bodyPr vert="horz" lIns="91440" tIns="45720" rIns="91440" bIns="45720" rtlCol="0" anchor="t">
-            <a:normAutofit/>
-          </a:bodyPr>
-          <a:lstStyle/>
-          <a:p>
-            <a:pPr>
-              <a:buFont typeface="Arial" charset="2"/>
-              <a:buChar char="•"/>
-            </a:pPr>
-            <a:r>
-              <a:rPr lang="de-DE" dirty="0">
-                <a:hlinkClick r:id="rId2"/>
-              </a:rPr>
-              <a:t>https://materializecss.com</a:t>
-            </a:r>
-            <a:endParaRPr lang="de-DE" dirty="0"/>
-          </a:p>
-          <a:p>
-            <a:pPr>
-              <a:buFont typeface="Arial" charset="2"/>
-              <a:buChar char="•"/>
-            </a:pPr>
-            <a:r>
-              <a:rPr lang="de-DE" dirty="0">
-                <a:hlinkClick r:id="rId3"/>
-              </a:rPr>
-              <a:t>https://github.com/smn57/frag.extract.a</a:t>
-            </a:r>
-          </a:p>
-          <a:p>
-            <a:pPr>
-              <a:buFont typeface="Arial" charset="2"/>
-              <a:buChar char="•"/>
-            </a:pPr>
-            <a:endParaRPr lang="de-DE" dirty="0"/>
-          </a:p>
-          <a:p>
-            <a:pPr>
-              <a:buFont typeface="Arial" charset="2"/>
-              <a:buChar char="•"/>
-            </a:pPr>
-            <a:endParaRPr lang="de-DE" dirty="0"/>
-          </a:p>
-        </p:txBody>
-      </p:sp>
-    </p:spTree>
-    <p:extLst>
-      <p:ext uri="{BB962C8B-B14F-4D97-AF65-F5344CB8AC3E}">
-        <p14:creationId xmlns:p14="http://schemas.microsoft.com/office/powerpoint/2010/main" val="564175481"/>
-      </p:ext>
-    </p:extLst>
-  </p:cSld>
-  <p:clrMapOvr>
-    <a:masterClrMapping/>
-  </p:clrMapOvr>
-</p:sld>
-</file>
-
 <file path=ppt/slides/slide3.xml><?xml version="1.0" encoding="utf-8"?>
-<p:sld xmlns:a="http://schemas.openxmlformats.org/drawingml/2006/main" xmlns:r="http://schemas.openxmlformats.org/officeDocument/2006/relationships" xmlns:p="http://schemas.openxmlformats.org/presentationml/2006/main">
-  <p:cSld>
-    <p:spTree>
-      <p:nvGrpSpPr>
-        <p:cNvPr id="1" name=""/>
-        <p:cNvGrpSpPr/>
-        <p:nvPr/>
-      </p:nvGrpSpPr>
-      <p:grpSpPr>
-        <a:xfrm>
-          <a:off x="0" y="0"/>
-          <a:ext cx="0" cy="0"/>
-          <a:chOff x="0" y="0"/>
-          <a:chExt cx="0" cy="0"/>
-        </a:xfrm>
-      </p:grpSpPr>
-      <p:sp>
-        <p:nvSpPr>
-          <p:cNvPr id="2" name="Titel 1">
-            <a:extLst>
-              <a:ext uri="{FF2B5EF4-FFF2-40B4-BE49-F238E27FC236}">
-                <a16:creationId xmlns:a16="http://schemas.microsoft.com/office/drawing/2014/main" id="{F378E76C-9744-4FE0-A3E9-F2D7EF2C5F88}"/>
-              </a:ext>
-            </a:extLst>
-          </p:cNvPr>
-          <p:cNvSpPr>
-            <a:spLocks noGrp="1"/>
-          </p:cNvSpPr>
-          <p:nvPr>
-            <p:ph type="title"/>
-          </p:nvPr>
-        </p:nvSpPr>
-        <p:spPr/>
-        <p:txBody>
-          <a:bodyPr/>
-          <a:lstStyle/>
-          <a:p>
-            <a:r>
-              <a:rPr lang="de-DE" dirty="0"/>
-              <a:t>Vorstellung</a:t>
-            </a:r>
-          </a:p>
-        </p:txBody>
-      </p:sp>
-      <p:sp>
-        <p:nvSpPr>
-          <p:cNvPr id="3" name="Inhaltsplatzhalter 2">
-            <a:extLst>
-              <a:ext uri="{FF2B5EF4-FFF2-40B4-BE49-F238E27FC236}">
-                <a16:creationId xmlns:a16="http://schemas.microsoft.com/office/drawing/2014/main" id="{02C32427-99AA-478B-970F-DD6B9D52CDD2}"/>
-              </a:ext>
-            </a:extLst>
-          </p:cNvPr>
-          <p:cNvSpPr>
-            <a:spLocks noGrp="1"/>
-          </p:cNvSpPr>
-          <p:nvPr>
-            <p:ph idx="1"/>
-          </p:nvPr>
-        </p:nvSpPr>
-        <p:spPr/>
-        <p:txBody>
-          <a:bodyPr vert="horz" lIns="91440" tIns="45720" rIns="91440" bIns="45720" rtlCol="0" anchor="t">
-            <a:normAutofit/>
-          </a:bodyPr>
-          <a:lstStyle/>
-          <a:p>
-            <a:pPr>
-              <a:buFont typeface="Arial" charset="2"/>
-              <a:buChar char="•"/>
-            </a:pPr>
-            <a:r>
-              <a:rPr lang="de-DE" sz="2000" dirty="0"/>
-              <a:t>Florian Rauls</a:t>
-            </a:r>
-          </a:p>
-          <a:p>
-            <a:pPr lvl="1">
-              <a:buFont typeface="Arial" charset="2"/>
-              <a:buChar char="•"/>
-            </a:pPr>
-            <a:r>
-              <a:rPr lang="de-DE" sz="2000" dirty="0"/>
-              <a:t>Bachelor Angewandte Informatik 100%</a:t>
-            </a:r>
-          </a:p>
-          <a:p>
-            <a:pPr>
-              <a:buFont typeface="Arial" charset="2"/>
-              <a:buChar char="•"/>
-            </a:pPr>
-            <a:r>
-              <a:rPr lang="de-DE" sz="2000" dirty="0"/>
-              <a:t>Simon </a:t>
-            </a:r>
-            <a:r>
-              <a:rPr lang="de-DE" sz="2000" dirty="0" err="1"/>
-              <a:t>Gimmini</a:t>
-            </a:r>
-            <a:endParaRPr lang="de-DE" sz="2000" dirty="0"/>
-          </a:p>
-          <a:p>
-            <a:pPr lvl="1">
-              <a:buFont typeface="Arial" charset="2"/>
-              <a:buChar char="•"/>
-            </a:pPr>
-            <a:r>
-              <a:rPr lang="de-DE" sz="2000" dirty="0"/>
-              <a:t>Bachelor Angewandte Informatik 100%</a:t>
-            </a:r>
-          </a:p>
-          <a:p>
-            <a:pPr>
-              <a:buFont typeface="Arial" charset="2"/>
-              <a:buChar char="•"/>
-            </a:pPr>
-            <a:r>
-              <a:rPr lang="de-DE" sz="2000" dirty="0"/>
-              <a:t>Tobias Neuschäfer</a:t>
-            </a:r>
-          </a:p>
-          <a:p>
-            <a:pPr lvl="1">
-              <a:buFont typeface="Arial" charset="2"/>
-              <a:buChar char="•"/>
-            </a:pPr>
-            <a:r>
-              <a:rPr lang="de-DE" sz="2000" dirty="0"/>
-              <a:t>Bachelor Angewandte Informatik 100%</a:t>
-            </a:r>
-          </a:p>
-        </p:txBody>
-      </p:sp>
-    </p:spTree>
-    <p:extLst>
-      <p:ext uri="{BB962C8B-B14F-4D97-AF65-F5344CB8AC3E}">
-        <p14:creationId xmlns:p14="http://schemas.microsoft.com/office/powerpoint/2010/main" val="1744745497"/>
-      </p:ext>
-    </p:extLst>
-  </p:cSld>
-  <p:clrMapOvr>
-    <a:masterClrMapping/>
-  </p:clrMapOvr>
-</p:sld>
-</file>
-
-<file path=ppt/slides/slide4.xml><?xml version="1.0" encoding="utf-8"?>
 <p:sld xmlns:a="http://schemas.openxmlformats.org/drawingml/2006/main" xmlns:r="http://schemas.openxmlformats.org/officeDocument/2006/relationships" xmlns:p="http://schemas.openxmlformats.org/presentationml/2006/main">
   <p:cSld>
     <p:spTree>
@@ -14602,15 +14411,7 @@
             </a:pPr>
             <a:r>
               <a:rPr lang="de-DE" sz="2200" dirty="0"/>
-              <a:t>Google Chrome Erweiterung zum Senden von </a:t>
-            </a:r>
-            <a:r>
-              <a:rPr lang="de-DE" sz="2200" dirty="0" err="1"/>
-              <a:t>stackoverflow</a:t>
-            </a:r>
-            <a:r>
-              <a:rPr lang="de-DE" sz="2200" dirty="0"/>
-              <a:t> Code-Fragmenten an eine VSC Erweiterung</a:t>
+              <a:t>Google Chrome Erweiterung zum Erstellen von Code Fragmenten aus einem Fragen Thread und Speichern von diesen in einer Datenbank (über Frag Edit VSC Erweiterung)</a:t>
             </a:r>
           </a:p>
           <a:p>
@@ -14620,7 +14421,7 @@
             </a:pPr>
             <a:r>
               <a:rPr lang="de-DE" sz="2200" dirty="0"/>
-              <a:t>Neuronalem Netz zum determinieren des besten Codes zu bestimmten Intention</a:t>
+              <a:t>Neuronalem Netz zum Determinieren des besten Codes zu bestimmter Intention</a:t>
             </a:r>
           </a:p>
         </p:txBody>
@@ -14638,7 +14439,7 @@
 </p:sld>
 </file>
 
-<file path=ppt/slides/slide5.xml><?xml version="1.0" encoding="utf-8"?>
+<file path=ppt/slides/slide4.xml><?xml version="1.0" encoding="utf-8"?>
 <p:sld xmlns:a="http://schemas.openxmlformats.org/drawingml/2006/main" xmlns:r="http://schemas.openxmlformats.org/officeDocument/2006/relationships" xmlns:p="http://schemas.openxmlformats.org/presentationml/2006/main">
   <p:cSld>
     <p:spTree>
@@ -14773,7 +14574,7 @@
             </a:r>
             <a:r>
               <a:rPr lang="de-DE" dirty="0"/>
-              <a:t> Sessions: eine (zur Installation des Hosts), </a:t>
+              <a:t> Sessions: eine (zur Installation des Native Messaging Hosts), </a:t>
             </a:r>
             <a:br>
               <a:rPr lang="de-DE" dirty="0"/>
@@ -15141,7 +14942,7 @@
 </p:sld>
 </file>
 
-<file path=ppt/slides/slide6.xml><?xml version="1.0" encoding="utf-8"?>
+<file path=ppt/slides/slide5.xml><?xml version="1.0" encoding="utf-8"?>
 <p:sld xmlns:a="http://schemas.openxmlformats.org/drawingml/2006/main" xmlns:r="http://schemas.openxmlformats.org/officeDocument/2006/relationships" xmlns:p="http://schemas.openxmlformats.org/presentationml/2006/main">
   <p:cSld>
     <p:spTree>
@@ -15221,7 +15022,7 @@
 </p:sld>
 </file>
 
-<file path=ppt/slides/slide7.xml><?xml version="1.0" encoding="utf-8"?>
+<file path=ppt/slides/slide6.xml><?xml version="1.0" encoding="utf-8"?>
 <p:sld xmlns:a="http://schemas.openxmlformats.org/drawingml/2006/main" xmlns:r="http://schemas.openxmlformats.org/officeDocument/2006/relationships" xmlns:p="http://schemas.openxmlformats.org/presentationml/2006/main">
   <p:cSld>
     <p:spTree>
@@ -15294,13 +15095,22 @@
           </a:bodyPr>
           <a:lstStyle/>
           <a:p>
+            <a:pPr marL="0" indent="0">
+              <a:buNone/>
+            </a:pPr>
+            <a:r>
+              <a:rPr lang="de-DE" sz="2000" dirty="0"/>
+              <a:t>Designfragen:</a:t>
+            </a:r>
+          </a:p>
+          <a:p>
             <a:pPr>
               <a:buFont typeface="Arial" charset="2"/>
               <a:buChar char="•"/>
             </a:pPr>
             <a:r>
               <a:rPr lang="de-DE" sz="2000" dirty="0"/>
-              <a:t>Designfragen:</a:t>
+              <a:t>Wie breit darf das Popup sein?</a:t>
             </a:r>
           </a:p>
           <a:p>
@@ -15310,24 +15120,6 @@
             </a:pPr>
             <a:r>
               <a:rPr lang="de-DE" sz="2000" dirty="0"/>
-              <a:t>Wie breit darf das </a:t>
-            </a:r>
-            <a:r>
-              <a:rPr lang="de-DE" sz="2000" dirty="0" err="1"/>
-              <a:t>PopUp</a:t>
-            </a:r>
-            <a:r>
-              <a:rPr lang="de-DE" sz="2000" dirty="0"/>
-              <a:t> sein?</a:t>
-            </a:r>
-          </a:p>
-          <a:p>
-            <a:pPr>
-              <a:buFont typeface="Arial" charset="2"/>
-              <a:buChar char="•"/>
-            </a:pPr>
-            <a:r>
-              <a:rPr lang="de-DE" sz="2000" dirty="0"/>
               <a:t>Wie werden die Komponenten dargestellt?</a:t>
             </a:r>
           </a:p>
@@ -15338,7 +15130,7 @@
             </a:pPr>
             <a:r>
               <a:rPr lang="de-DE" sz="1800" dirty="0"/>
-              <a:t>Chips ("Tags"), Auswahlen, andere Schriftarten</a:t>
+              <a:t>Chips ("Tags"), Auswahldialoge, andere Schriftarten</a:t>
             </a:r>
           </a:p>
           <a:p>
@@ -15381,9 +15173,8 @@
           </a:bodyPr>
           <a:lstStyle/>
           <a:p>
-            <a:pPr>
-              <a:buFont typeface="Arial" charset="2"/>
-              <a:buChar char="•"/>
+            <a:pPr marL="0" indent="0">
+              <a:buNone/>
             </a:pPr>
             <a:r>
               <a:rPr lang="de-DE" sz="2000" dirty="0"/>
@@ -15480,7 +15271,7 @@
 </p:sld>
 </file>
 
-<file path=ppt/slides/slide8.xml><?xml version="1.0" encoding="utf-8"?>
+<file path=ppt/slides/slide7.xml><?xml version="1.0" encoding="utf-8"?>
 <p:sld xmlns:a="http://schemas.openxmlformats.org/drawingml/2006/main" xmlns:r="http://schemas.openxmlformats.org/officeDocument/2006/relationships" xmlns:p="http://schemas.openxmlformats.org/presentationml/2006/main">
   <p:cSld>
     <p:spTree>
@@ -15527,38 +15318,6 @@
       </p:sp>
       <p:pic>
         <p:nvPicPr>
-          <p:cNvPr id="7" name="Grafik 7" descr="Ein Bild, das Screenshot enthält.&#10;&#10;Mit sehr hoher Zuverlässigkeit generierte Beschreibung">
-            <a:extLst>
-              <a:ext uri="{FF2B5EF4-FFF2-40B4-BE49-F238E27FC236}">
-                <a16:creationId xmlns:a16="http://schemas.microsoft.com/office/drawing/2014/main" id="{78DF7CAF-92E6-4F5F-9E6D-5FAC5AB24713}"/>
-              </a:ext>
-            </a:extLst>
-          </p:cNvPr>
-          <p:cNvPicPr>
-            <a:picLocks noGrp="1" noChangeAspect="1"/>
-          </p:cNvPicPr>
-          <p:nvPr>
-            <p:ph sz="half" idx="1"/>
-          </p:nvPr>
-        </p:nvPicPr>
-        <p:blipFill>
-          <a:blip r:embed="rId2"/>
-          <a:stretch>
-            <a:fillRect/>
-          </a:stretch>
-        </p:blipFill>
-        <p:spPr>
-          <a:xfrm>
-            <a:off x="5164957" y="1305663"/>
-            <a:ext cx="3284131" cy="4921551"/>
-          </a:xfrm>
-          <a:prstGeom prst="rect">
-            <a:avLst/>
-          </a:prstGeom>
-        </p:spPr>
-      </p:pic>
-      <p:pic>
-        <p:nvPicPr>
           <p:cNvPr id="5" name="Grafik 5" descr="Ein Bild, das Screenshot enthält.&#10;&#10;Mit sehr hoher Zuverlässigkeit generierte Beschreibung">
             <a:extLst>
               <a:ext uri="{FF2B5EF4-FFF2-40B4-BE49-F238E27FC236}">
@@ -15574,7 +15333,7 @@
           </p:nvPr>
         </p:nvPicPr>
         <p:blipFill>
-          <a:blip r:embed="rId3"/>
+          <a:blip r:embed="rId2"/>
           <a:stretch>
             <a:fillRect/>
           </a:stretch>
@@ -15583,6 +15342,36 @@
           <a:xfrm>
             <a:off x="703908" y="1928272"/>
             <a:ext cx="3886500" cy="4298943"/>
+          </a:xfrm>
+          <a:prstGeom prst="rect">
+            <a:avLst/>
+          </a:prstGeom>
+        </p:spPr>
+      </p:pic>
+      <p:pic>
+        <p:nvPicPr>
+          <p:cNvPr id="3" name="Grafik 2">
+            <a:extLst>
+              <a:ext uri="{FF2B5EF4-FFF2-40B4-BE49-F238E27FC236}">
+                <a16:creationId xmlns:a16="http://schemas.microsoft.com/office/drawing/2014/main" id="{5BA9232D-25D8-448E-A9D8-80859ECC07D7}"/>
+              </a:ext>
+            </a:extLst>
+          </p:cNvPr>
+          <p:cNvPicPr>
+            <a:picLocks noChangeAspect="1"/>
+          </p:cNvPicPr>
+          <p:nvPr/>
+        </p:nvPicPr>
+        <p:blipFill>
+          <a:blip r:embed="rId3"/>
+          <a:stretch>
+            <a:fillRect/>
+          </a:stretch>
+        </p:blipFill>
+        <p:spPr>
+          <a:xfrm>
+            <a:off x="6096001" y="1928272"/>
+            <a:ext cx="2794538" cy="4320128"/>
           </a:xfrm>
           <a:prstGeom prst="rect">
             <a:avLst/>
@@ -15602,7 +15391,7 @@
 </p:sld>
 </file>
 
-<file path=ppt/slides/slide9.xml><?xml version="1.0" encoding="utf-8"?>
+<file path=ppt/slides/slide8.xml><?xml version="1.0" encoding="utf-8"?>
 <p:sld xmlns:a="http://schemas.openxmlformats.org/drawingml/2006/main" xmlns:r="http://schemas.openxmlformats.org/officeDocument/2006/relationships" xmlns:p="http://schemas.openxmlformats.org/presentationml/2006/main">
   <p:cSld>
     <p:spTree>
@@ -15671,7 +15460,7 @@
         </p:spPr>
         <p:txBody>
           <a:bodyPr vert="horz" lIns="91440" tIns="45720" rIns="91440" bIns="45720" rtlCol="0" anchor="t">
-            <a:normAutofit/>
+            <a:normAutofit fontScale="92500" lnSpcReduction="10000"/>
           </a:bodyPr>
           <a:lstStyle/>
           <a:p>
@@ -15681,7 +15470,7 @@
             </a:pPr>
             <a:r>
               <a:rPr lang="de-DE" sz="2000" dirty="0"/>
-              <a:t>Native Messaging Protocol zur Übertragung der Fragmente</a:t>
+              <a:t>Inhalt des Popups wird automatisch gespeichert und bei erneutem Öffnen geladen</a:t>
             </a:r>
           </a:p>
           <a:p>
@@ -15691,7 +15480,44 @@
             </a:pPr>
             <a:r>
               <a:rPr lang="de-DE" sz="2000" dirty="0"/>
-              <a:t>NM-host wird durch VSC-Erweiterung installiert</a:t>
+              <a:t>Alle Fragment Attribute werden entweder automatisch befüllt oder es werden Vorschläge gemacht</a:t>
+            </a:r>
+          </a:p>
+          <a:p>
+            <a:pPr>
+              <a:buFont typeface="Arial" charset="2"/>
+              <a:buChar char="•"/>
+            </a:pPr>
+            <a:r>
+              <a:rPr lang="de-DE" sz="2000" dirty="0"/>
+              <a:t>Man kann zum ausgewählten Codeblock auf der Seite scrollen und jeden Codeblock manuell auswählen</a:t>
+            </a:r>
+          </a:p>
+          <a:p>
+            <a:pPr>
+              <a:buFont typeface="Arial" charset="2"/>
+              <a:buChar char="•"/>
+            </a:pPr>
+            <a:endParaRPr lang="de-DE" sz="2000" dirty="0"/>
+          </a:p>
+          <a:p>
+            <a:pPr>
+              <a:buFont typeface="Arial" charset="2"/>
+              <a:buChar char="•"/>
+            </a:pPr>
+            <a:r>
+              <a:rPr lang="de-DE" sz="2000" dirty="0"/>
+              <a:t>Native Messaging Protocol zur Übertragung der Fragmente</a:t>
+            </a:r>
+          </a:p>
+          <a:p>
+            <a:pPr>
+              <a:buFont typeface="Arial" charset="2"/>
+              <a:buChar char="•"/>
+            </a:pPr>
+            <a:r>
+              <a:rPr lang="de-DE" sz="2000" dirty="0"/>
+              <a:t>NM-Host wird durch VSC-Erweiterung installiert</a:t>
             </a:r>
           </a:p>
           <a:p>
@@ -15717,6 +15543,74 @@
     <p:extLst>
       <p:ext uri="{BB962C8B-B14F-4D97-AF65-F5344CB8AC3E}">
         <p14:creationId xmlns:p14="http://schemas.microsoft.com/office/powerpoint/2010/main" val="1415525046"/>
+      </p:ext>
+    </p:extLst>
+  </p:cSld>
+  <p:clrMapOvr>
+    <a:masterClrMapping/>
+  </p:clrMapOvr>
+</p:sld>
+</file>
+
+<file path=ppt/slides/slide9.xml><?xml version="1.0" encoding="utf-8"?>
+<p:sld xmlns:a="http://schemas.openxmlformats.org/drawingml/2006/main" xmlns:r="http://schemas.openxmlformats.org/officeDocument/2006/relationships" xmlns:p="http://schemas.openxmlformats.org/presentationml/2006/main">
+  <p:cSld>
+    <p:bg>
+      <p:bgPr>
+        <a:solidFill>
+          <a:schemeClr val="tx2"/>
+        </a:solidFill>
+        <a:effectLst/>
+      </p:bgPr>
+    </p:bg>
+    <p:spTree>
+      <p:nvGrpSpPr>
+        <p:cNvPr id="1" name=""/>
+        <p:cNvGrpSpPr/>
+        <p:nvPr/>
+      </p:nvGrpSpPr>
+      <p:grpSpPr>
+        <a:xfrm>
+          <a:off x="0" y="0"/>
+          <a:ext cx="0" cy="0"/>
+          <a:chOff x="0" y="0"/>
+          <a:chExt cx="0" cy="0"/>
+        </a:xfrm>
+      </p:grpSpPr>
+      <p:pic>
+        <p:nvPicPr>
+          <p:cNvPr id="22" name="Grafik 22" descr="Ein Bild, das Screenshot enthält.&#10;&#10;Mit sehr hoher Zuverlässigkeit generierte Beschreibung">
+            <a:extLst>
+              <a:ext uri="{FF2B5EF4-FFF2-40B4-BE49-F238E27FC236}">
+                <a16:creationId xmlns:a16="http://schemas.microsoft.com/office/drawing/2014/main" id="{DE3D12F7-9F34-4341-9A14-9607F4D807F8}"/>
+              </a:ext>
+            </a:extLst>
+          </p:cNvPr>
+          <p:cNvPicPr>
+            <a:picLocks noChangeAspect="1"/>
+          </p:cNvPicPr>
+          <p:nvPr/>
+        </p:nvPicPr>
+        <p:blipFill>
+          <a:blip r:embed="rId2"/>
+          <a:stretch>
+            <a:fillRect/>
+          </a:stretch>
+        </p:blipFill>
+        <p:spPr>
+          <a:xfrm>
+            <a:off x="3893" y="2835"/>
+            <a:ext cx="12184389" cy="6855487"/>
+          </a:xfrm>
+          <a:prstGeom prst="rect">
+            <a:avLst/>
+          </a:prstGeom>
+        </p:spPr>
+      </p:pic>
+    </p:spTree>
+    <p:extLst>
+      <p:ext uri="{BB962C8B-B14F-4D97-AF65-F5344CB8AC3E}">
+        <p14:creationId xmlns:p14="http://schemas.microsoft.com/office/powerpoint/2010/main" val="353643608"/>
       </p:ext>
     </p:extLst>
   </p:cSld>

--- a/weekly_presentations/frag.extract_2019-08-22_Abschluss.pptx
+++ b/weekly_presentations/frag.extract_2019-08-22_Abschluss.pptx
@@ -13797,6 +13797,39 @@
               <a:buChar char="•"/>
             </a:pPr>
             <a:r>
+              <a:rPr lang="de-DE" dirty="0" err="1"/>
+              <a:t>Parametrisierungsalgorithmus</a:t>
+            </a:r>
+            <a:r>
+              <a:rPr lang="de-DE" dirty="0"/>
+              <a:t> von Frag Edit funktioniert gut in Tests mit Fragmenten, die aus </a:t>
+            </a:r>
+            <a:r>
+              <a:rPr lang="de-DE" dirty="0" err="1"/>
+              <a:t>Stackoverflow</a:t>
+            </a:r>
+            <a:r>
+              <a:rPr lang="de-DE" dirty="0"/>
+              <a:t> erstellt wurden</a:t>
+            </a:r>
+            <a:br>
+              <a:rPr lang="de-DE" dirty="0"/>
+            </a:br>
+            <a:r>
+              <a:rPr lang="de-DE" dirty="0"/>
+              <a:t>-&gt; zukünftig möglicherweise automatische Anwendung des Algorithmus auf neue Fragmente, die von der Chrome </a:t>
+            </a:r>
+            <a:r>
+              <a:rPr lang="de-DE"/>
+              <a:t>Erweiterung kommen</a:t>
+            </a:r>
+          </a:p>
+          <a:p>
+            <a:pPr>
+              <a:buFont typeface="Arial" charset="2"/>
+              <a:buChar char="•"/>
+            </a:pPr>
+            <a:r>
               <a:rPr lang="de-DE" dirty="0"/>
               <a:t>Aufgrund der gegebenen Daten (geringe Qualität) ist das Model noch unzuverlässig, auch wenn es immer wieder gute Ergebnisse liefert </a:t>
             </a:r>

--- a/weekly_presentations/frag.extract_2019-08-22_Abschluss.pptx
+++ b/weekly_presentations/frag.extract_2019-08-22_Abschluss.pptx
@@ -13817,11 +13817,21 @@
             </a:br>
             <a:r>
               <a:rPr lang="de-DE" dirty="0"/>
-              <a:t>-&gt; zukünftig möglicherweise automatische Anwendung des Algorithmus auf neue Fragmente, die von der Chrome </a:t>
+              <a:t>-&gt; zukünftig möglicherweise automatische Anwendung des Algorithmus auf neue Fragmente, die von der Chrome Erweiterung kommen</a:t>
+            </a:r>
+          </a:p>
+          <a:p>
+            <a:pPr>
+              <a:buFont typeface="Arial" charset="2"/>
+              <a:buChar char="•"/>
+            </a:pPr>
+            <a:r>
+              <a:rPr lang="de-DE" dirty="0"/>
+              <a:t>Portierung der Chrome Erweiterung für Mozilla Firefox </a:t>
             </a:r>
             <a:r>
               <a:rPr lang="de-DE"/>
-              <a:t>Erweiterung kommen</a:t>
+              <a:t>ist möglich</a:t>
             </a:r>
           </a:p>
           <a:p>
